--- a/documentation/softdev/JMGTCC Travel Arrangement and Appointment System(Initial).pptx
+++ b/documentation/softdev/JMGTCC Travel Arrangement and Appointment System(Initial).pptx
@@ -3883,7 +3883,7 @@
             </a:r>
             <a:r>
               <a:rPr lang="en-PH" dirty="0" smtClean="0"/>
-              <a:t>-The client was happy with the system and JMGTCC is planning to deploy it and attach it to their current website.</a:t>
+              <a:t>-The client was happy with the system and JMGTCC is planning to deploy it and merge it with their current website.</a:t>
             </a:r>
             <a:endParaRPr lang="en-PH" dirty="0"/>
           </a:p>

--- a/documentation/softdev/JMGTCC Travel Arrangement and Appointment System(Initial).pptx
+++ b/documentation/softdev/JMGTCC Travel Arrangement and Appointment System(Initial).pptx
@@ -2881,7 +2881,7 @@
           <a:p>
             <a:fld id="{A5A7B363-0FC8-45B0-8F58-48C217E0EF7C}" type="datetimeFigureOut">
               <a:rPr lang="en-PH" smtClean="0"/>
-              <a:t>4/10/2015</a:t>
+              <a:t>4/11/2015</a:t>
             </a:fld>
             <a:endParaRPr lang="en-PH"/>
           </a:p>
@@ -3166,7 +3166,7 @@
           <a:p>
             <a:fld id="{A5A7B363-0FC8-45B0-8F58-48C217E0EF7C}" type="datetimeFigureOut">
               <a:rPr lang="en-PH" smtClean="0"/>
-              <a:t>4/10/2015</a:t>
+              <a:t>4/11/2015</a:t>
             </a:fld>
             <a:endParaRPr lang="en-PH"/>
           </a:p>
@@ -3341,7 +3341,7 @@
           <a:p>
             <a:fld id="{A5A7B363-0FC8-45B0-8F58-48C217E0EF7C}" type="datetimeFigureOut">
               <a:rPr lang="en-PH" smtClean="0"/>
-              <a:t>4/10/2015</a:t>
+              <a:t>4/11/2015</a:t>
             </a:fld>
             <a:endParaRPr lang="en-PH"/>
           </a:p>
@@ -3506,7 +3506,7 @@
           <a:p>
             <a:fld id="{A5A7B363-0FC8-45B0-8F58-48C217E0EF7C}" type="datetimeFigureOut">
               <a:rPr lang="en-PH" smtClean="0"/>
-              <a:t>4/10/2015</a:t>
+              <a:t>4/11/2015</a:t>
             </a:fld>
             <a:endParaRPr lang="en-PH"/>
           </a:p>
@@ -3747,7 +3747,7 @@
           <a:p>
             <a:fld id="{A5A7B363-0FC8-45B0-8F58-48C217E0EF7C}" type="datetimeFigureOut">
               <a:rPr lang="en-PH" smtClean="0"/>
-              <a:t>4/10/2015</a:t>
+              <a:t>4/11/2015</a:t>
             </a:fld>
             <a:endParaRPr lang="en-PH"/>
           </a:p>
@@ -3860,7 +3860,7 @@
           <a:p>
             <a:fld id="{A5A7B363-0FC8-45B0-8F58-48C217E0EF7C}" type="datetimeFigureOut">
               <a:rPr lang="en-PH" smtClean="0"/>
-              <a:t>4/10/2015</a:t>
+              <a:t>4/11/2015</a:t>
             </a:fld>
             <a:endParaRPr lang="en-PH"/>
           </a:p>
@@ -4399,7 +4399,7 @@
           <a:p>
             <a:fld id="{A5A7B363-0FC8-45B0-8F58-48C217E0EF7C}" type="datetimeFigureOut">
               <a:rPr lang="en-PH" smtClean="0"/>
-              <a:t>4/10/2015</a:t>
+              <a:t>4/11/2015</a:t>
             </a:fld>
             <a:endParaRPr lang="en-PH"/>
           </a:p>
@@ -4512,7 +4512,7 @@
           <a:p>
             <a:fld id="{A5A7B363-0FC8-45B0-8F58-48C217E0EF7C}" type="datetimeFigureOut">
               <a:rPr lang="en-PH" smtClean="0"/>
-              <a:t>4/10/2015</a:t>
+              <a:t>4/11/2015</a:t>
             </a:fld>
             <a:endParaRPr lang="en-PH"/>
           </a:p>
@@ -4602,7 +4602,7 @@
           <a:p>
             <a:fld id="{A5A7B363-0FC8-45B0-8F58-48C217E0EF7C}" type="datetimeFigureOut">
               <a:rPr lang="en-PH" smtClean="0"/>
-              <a:t>4/10/2015</a:t>
+              <a:t>4/11/2015</a:t>
             </a:fld>
             <a:endParaRPr lang="en-PH"/>
           </a:p>
@@ -7253,7 +7253,7 @@
           <a:p>
             <a:fld id="{A5A7B363-0FC8-45B0-8F58-48C217E0EF7C}" type="datetimeFigureOut">
               <a:rPr lang="en-PH" smtClean="0"/>
-              <a:t>4/10/2015</a:t>
+              <a:t>4/11/2015</a:t>
             </a:fld>
             <a:endParaRPr lang="en-PH"/>
           </a:p>
@@ -10465,7 +10465,7 @@
           <a:p>
             <a:fld id="{A5A7B363-0FC8-45B0-8F58-48C217E0EF7C}" type="datetimeFigureOut">
               <a:rPr lang="en-PH" smtClean="0"/>
-              <a:t>4/10/2015</a:t>
+              <a:t>4/11/2015</a:t>
             </a:fld>
             <a:endParaRPr lang="en-PH"/>
           </a:p>
@@ -13287,7 +13287,7 @@
           <a:p>
             <a:fld id="{A5A7B363-0FC8-45B0-8F58-48C217E0EF7C}" type="datetimeFigureOut">
               <a:rPr lang="en-PH" smtClean="0"/>
-              <a:t>4/10/2015</a:t>
+              <a:t>4/11/2015</a:t>
             </a:fld>
             <a:endParaRPr lang="en-PH"/>
           </a:p>
@@ -13774,15 +13774,7 @@
                   <a:srgbClr val="00B050"/>
                 </a:solidFill>
               </a:rPr>
-              <a:t>Travel </a:t>
-            </a:r>
-            <a:r>
-              <a:rPr lang="en-PH" sz="2400" b="1" dirty="0" smtClean="0">
-                <a:solidFill>
-                  <a:srgbClr val="00B050"/>
-                </a:solidFill>
-              </a:rPr>
-              <a:t>Arrangement and Appointment System</a:t>
+              <a:t>Travel Arrangement and Appointment System</a:t>
             </a:r>
             <a:endParaRPr lang="en-PH" sz="2400" b="1" dirty="0">
               <a:solidFill>
@@ -13876,13 +13868,13 @@
   <p:clrMapOvr>
     <a:masterClrMapping/>
   </p:clrMapOvr>
-  <mc:AlternateContent xmlns:mc="http://schemas.openxmlformats.org/markup-compatibility/2006">
-    <mc:Choice xmlns:p14="http://schemas.microsoft.com/office/powerpoint/2010/main" Requires="p14">
+  <mc:AlternateContent xmlns:mc="http://schemas.openxmlformats.org/markup-compatibility/2006" xmlns:p14="http://schemas.microsoft.com/office/powerpoint/2010/main">
+    <mc:Choice Requires="p14">
       <p:transition spd="slow" p14:dur="3900">
         <p14:glitter pattern="hexagon"/>
       </p:transition>
     </mc:Choice>
-    <mc:Fallback>
+    <mc:Fallback xmlns="">
       <p:transition spd="slow">
         <p:fade/>
       </p:transition>
@@ -14238,9 +14230,10 @@
               <a:buChar char="§"/>
             </a:pPr>
             <a:r>
-              <a:rPr lang="en-US" dirty="0" smtClean="0"/>
-              <a:t>Error / Bug Handling</a:t>
-            </a:r>
+              <a:rPr lang="en-US" smtClean="0"/>
+              <a:t>Project tester</a:t>
+            </a:r>
+            <a:endParaRPr lang="en-US" dirty="0" smtClean="0"/>
           </a:p>
           <a:p>
             <a:pPr>
@@ -15733,7 +15726,6 @@
               <a:rPr lang="en-PH" dirty="0"/>
               <a:t>Current Status of the Project</a:t>
             </a:r>
-            <a:endParaRPr lang="en-PH" dirty="0"/>
           </a:p>
         </p:txBody>
       </p:sp>
@@ -15842,7 +15834,6 @@
               <a:rPr lang="en-PH" dirty="0"/>
               <a:t>client was happy with the system and JMGTCC is planning to deploy it and merge it with their current website.</a:t>
             </a:r>
-            <a:endParaRPr lang="en-PH" dirty="0"/>
           </a:p>
         </p:txBody>
       </p:sp>
@@ -15886,13 +15877,13 @@
   <p:clrMapOvr>
     <a:masterClrMapping/>
   </p:clrMapOvr>
-  <mc:AlternateContent xmlns:mc="http://schemas.openxmlformats.org/markup-compatibility/2006">
-    <mc:Choice xmlns:p14="http://schemas.microsoft.com/office/powerpoint/2010/main" Requires="p14">
+  <mc:AlternateContent xmlns:mc="http://schemas.openxmlformats.org/markup-compatibility/2006" xmlns:p14="http://schemas.microsoft.com/office/powerpoint/2010/main">
+    <mc:Choice Requires="p14">
       <p:transition spd="slow" p14:dur="1100">
         <p14:switch dir="r"/>
       </p:transition>
     </mc:Choice>
-    <mc:Fallback>
+    <mc:Fallback xmlns="">
       <p:transition spd="slow">
         <p:fade/>
       </p:transition>
@@ -15946,7 +15937,6 @@
               <a:rPr lang="en-PH" dirty="0"/>
               <a:t>Next Steps to Accomplish</a:t>
             </a:r>
-            <a:endParaRPr lang="en-PH" dirty="0"/>
           </a:p>
         </p:txBody>
       </p:sp>
@@ -16105,13 +16095,13 @@
   <p:clrMapOvr>
     <a:masterClrMapping/>
   </p:clrMapOvr>
-  <mc:AlternateContent xmlns:mc="http://schemas.openxmlformats.org/markup-compatibility/2006">
-    <mc:Choice xmlns:p14="http://schemas.microsoft.com/office/powerpoint/2010/main" Requires="p14">
+  <mc:AlternateContent xmlns:mc="http://schemas.openxmlformats.org/markup-compatibility/2006" xmlns:p14="http://schemas.microsoft.com/office/powerpoint/2010/main">
+    <mc:Choice Requires="p14">
       <p:transition spd="slow" p14:dur="1100">
         <p14:switch dir="r"/>
       </p:transition>
     </mc:Choice>
-    <mc:Fallback>
+    <mc:Fallback xmlns="">
       <p:transition spd="slow">
         <p:fade/>
       </p:transition>
@@ -16208,13 +16198,13 @@
   <p:clrMapOvr>
     <a:masterClrMapping/>
   </p:clrMapOvr>
-  <mc:AlternateContent xmlns:mc="http://schemas.openxmlformats.org/markup-compatibility/2006">
-    <mc:Choice xmlns:p14="http://schemas.microsoft.com/office/powerpoint/2010/main" Requires="p14">
+  <mc:AlternateContent xmlns:mc="http://schemas.openxmlformats.org/markup-compatibility/2006" xmlns:p14="http://schemas.microsoft.com/office/powerpoint/2010/main">
+    <mc:Choice Requires="p14">
       <p:transition spd="slow" p14:dur="4400">
         <p14:honeycomb/>
       </p:transition>
     </mc:Choice>
-    <mc:Fallback>
+    <mc:Fallback xmlns="">
       <p:transition spd="slow">
         <p:fade/>
       </p:transition>
@@ -16574,13 +16564,13 @@
   <p:clrMapOvr>
     <a:masterClrMapping/>
   </p:clrMapOvr>
-  <mc:AlternateContent xmlns:mc="http://schemas.openxmlformats.org/markup-compatibility/2006">
-    <mc:Choice xmlns:p14="http://schemas.microsoft.com/office/powerpoint/2010/main" Requires="p14">
+  <mc:AlternateContent xmlns:mc="http://schemas.openxmlformats.org/markup-compatibility/2006" xmlns:p14="http://schemas.microsoft.com/office/powerpoint/2010/main">
+    <mc:Choice Requires="p14">
       <p:transition spd="slow" p14:dur="4000">
         <p14:vortex dir="r"/>
       </p:transition>
     </mc:Choice>
-    <mc:Fallback>
+    <mc:Fallback xmlns="">
       <p:transition spd="slow">
         <p:fade/>
       </p:transition>
